--- a/NPI- Práctica 3_2.pptx
+++ b/NPI- Práctica 3_2.pptx
@@ -257,9 +257,9 @@
             <a:fld id="{2C1EE710-F46E-4A11-9E26-AAEA4D324068}" type="datetimeFigureOut">
               <a:rPr lang="es-ES" smtClean="0"/>
               <a:pPr/>
-              <a:t>06/01/2015</a:t>
+              <a:t>08/01/2015</a:t>
             </a:fld>
-            <a:endParaRPr lang="es-ES"/>
+            <a:endParaRPr lang="es-ES" dirty="0"/>
           </a:p>
         </p:txBody>
       </p:sp>
@@ -283,7 +283,7 @@
           <a:bodyPr/>
           <a:lstStyle/>
           <a:p>
-            <a:endParaRPr lang="es-ES"/>
+            <a:endParaRPr lang="es-ES" dirty="0"/>
           </a:p>
         </p:txBody>
       </p:sp>
@@ -332,7 +332,7 @@
           <a:lstStyle/>
           <a:p>
             <a:pPr algn="ctr" eaLnBrk="1" latinLnBrk="0" hangingPunct="1"/>
-            <a:endParaRPr kumimoji="0" lang="en-US"/>
+            <a:endParaRPr kumimoji="0" lang="en-US" dirty="0"/>
           </a:p>
         </p:txBody>
       </p:sp>
@@ -381,7 +381,7 @@
           <a:lstStyle/>
           <a:p>
             <a:pPr algn="ctr" eaLnBrk="1" latinLnBrk="0" hangingPunct="1"/>
-            <a:endParaRPr kumimoji="0" lang="en-US"/>
+            <a:endParaRPr kumimoji="0" lang="en-US" dirty="0"/>
           </a:p>
         </p:txBody>
       </p:sp>
@@ -430,7 +430,7 @@
           <a:lstStyle/>
           <a:p>
             <a:pPr algn="ctr" eaLnBrk="1" latinLnBrk="0" hangingPunct="1"/>
-            <a:endParaRPr kumimoji="0" lang="en-US"/>
+            <a:endParaRPr kumimoji="0" lang="en-US" dirty="0"/>
           </a:p>
         </p:txBody>
       </p:sp>
@@ -479,7 +479,7 @@
           <a:lstStyle/>
           <a:p>
             <a:pPr algn="ctr" eaLnBrk="1" latinLnBrk="0" hangingPunct="1"/>
-            <a:endParaRPr kumimoji="0" lang="en-US"/>
+            <a:endParaRPr kumimoji="0" lang="en-US" dirty="0"/>
           </a:p>
         </p:txBody>
       </p:sp>
@@ -518,7 +518,7 @@
           <a:bodyPr vert="horz" wrap="square" lIns="91440" tIns="45720" rIns="91440" bIns="45720" anchor="t" compatLnSpc="1"/>
           <a:lstStyle/>
           <a:p>
-            <a:endParaRPr kumimoji="0" lang="en-US"/>
+            <a:endParaRPr kumimoji="0" lang="en-US" dirty="0"/>
           </a:p>
         </p:txBody>
       </p:sp>
@@ -557,7 +557,7 @@
           <a:bodyPr vert="horz" wrap="square" lIns="91440" tIns="45720" rIns="91440" bIns="45720" anchor="t" compatLnSpc="1"/>
           <a:lstStyle/>
           <a:p>
-            <a:endParaRPr kumimoji="0" lang="en-US"/>
+            <a:endParaRPr kumimoji="0" lang="en-US" dirty="0"/>
           </a:p>
         </p:txBody>
       </p:sp>
@@ -595,7 +595,7 @@
           <a:bodyPr vert="horz" wrap="square" lIns="91440" tIns="45720" rIns="91440" bIns="45720" anchor="t" compatLnSpc="1"/>
           <a:lstStyle/>
           <a:p>
-            <a:endParaRPr kumimoji="0" lang="en-US"/>
+            <a:endParaRPr kumimoji="0" lang="en-US" dirty="0"/>
           </a:p>
         </p:txBody>
       </p:sp>
@@ -634,7 +634,7 @@
           <a:bodyPr vert="horz" wrap="square" lIns="91440" tIns="45720" rIns="91440" bIns="45720" anchor="t" compatLnSpc="1"/>
           <a:lstStyle/>
           <a:p>
-            <a:endParaRPr kumimoji="0" lang="en-US"/>
+            <a:endParaRPr kumimoji="0" lang="en-US" dirty="0"/>
           </a:p>
         </p:txBody>
       </p:sp>
@@ -672,7 +672,7 @@
           <a:bodyPr vert="horz" wrap="square" lIns="91440" tIns="45720" rIns="91440" bIns="45720" anchor="t" compatLnSpc="1"/>
           <a:lstStyle/>
           <a:p>
-            <a:endParaRPr kumimoji="0" lang="en-US"/>
+            <a:endParaRPr kumimoji="0" lang="en-US" dirty="0"/>
           </a:p>
         </p:txBody>
       </p:sp>
@@ -710,7 +710,7 @@
           <a:bodyPr vert="horz" wrap="square" lIns="91440" tIns="45720" rIns="91440" bIns="45720" anchor="t" compatLnSpc="1"/>
           <a:lstStyle/>
           <a:p>
-            <a:endParaRPr kumimoji="0" lang="en-US"/>
+            <a:endParaRPr kumimoji="0" lang="en-US" dirty="0"/>
           </a:p>
         </p:txBody>
       </p:sp>
@@ -1006,7 +1006,7 @@
               <a:pPr/>
               <a:t>‹Nº›</a:t>
             </a:fld>
-            <a:endParaRPr lang="es-ES"/>
+            <a:endParaRPr lang="es-ES" dirty="0"/>
           </a:p>
         </p:txBody>
       </p:sp>
@@ -1128,9 +1128,9 @@
             <a:fld id="{2C1EE710-F46E-4A11-9E26-AAEA4D324068}" type="datetimeFigureOut">
               <a:rPr lang="es-ES" smtClean="0"/>
               <a:pPr/>
-              <a:t>06/01/2015</a:t>
+              <a:t>08/01/2015</a:t>
             </a:fld>
-            <a:endParaRPr lang="es-ES"/>
+            <a:endParaRPr lang="es-ES" dirty="0"/>
           </a:p>
         </p:txBody>
       </p:sp>
@@ -1149,7 +1149,7 @@
           <a:bodyPr/>
           <a:lstStyle/>
           <a:p>
-            <a:endParaRPr lang="es-ES"/>
+            <a:endParaRPr lang="es-ES" dirty="0"/>
           </a:p>
         </p:txBody>
       </p:sp>
@@ -1173,7 +1173,7 @@
               <a:pPr/>
               <a:t>‹Nº›</a:t>
             </a:fld>
-            <a:endParaRPr lang="es-ES"/>
+            <a:endParaRPr lang="es-ES" dirty="0"/>
           </a:p>
         </p:txBody>
       </p:sp>
@@ -1305,9 +1305,9 @@
             <a:fld id="{2C1EE710-F46E-4A11-9E26-AAEA4D324068}" type="datetimeFigureOut">
               <a:rPr lang="es-ES" smtClean="0"/>
               <a:pPr/>
-              <a:t>06/01/2015</a:t>
+              <a:t>08/01/2015</a:t>
             </a:fld>
-            <a:endParaRPr lang="es-ES"/>
+            <a:endParaRPr lang="es-ES" dirty="0"/>
           </a:p>
         </p:txBody>
       </p:sp>
@@ -1326,7 +1326,7 @@
           <a:bodyPr/>
           <a:lstStyle/>
           <a:p>
-            <a:endParaRPr lang="es-ES"/>
+            <a:endParaRPr lang="es-ES" dirty="0"/>
           </a:p>
         </p:txBody>
       </p:sp>
@@ -1350,7 +1350,7 @@
               <a:pPr/>
               <a:t>‹Nº›</a:t>
             </a:fld>
-            <a:endParaRPr lang="es-ES"/>
+            <a:endParaRPr lang="es-ES" dirty="0"/>
           </a:p>
         </p:txBody>
       </p:sp>
@@ -1477,9 +1477,9 @@
             <a:fld id="{2C1EE710-F46E-4A11-9E26-AAEA4D324068}" type="datetimeFigureOut">
               <a:rPr lang="es-ES" smtClean="0"/>
               <a:pPr/>
-              <a:t>06/01/2015</a:t>
+              <a:t>08/01/2015</a:t>
             </a:fld>
-            <a:endParaRPr lang="es-ES"/>
+            <a:endParaRPr lang="es-ES" dirty="0"/>
           </a:p>
         </p:txBody>
       </p:sp>
@@ -1503,7 +1503,7 @@
               <a:pPr/>
               <a:t>‹Nº›</a:t>
             </a:fld>
-            <a:endParaRPr lang="es-ES"/>
+            <a:endParaRPr lang="es-ES" dirty="0"/>
           </a:p>
         </p:txBody>
       </p:sp>
@@ -1522,7 +1522,7 @@
           <a:bodyPr rtlCol="0"/>
           <a:lstStyle/>
           <a:p>
-            <a:endParaRPr lang="es-ES"/>
+            <a:endParaRPr lang="es-ES" dirty="0"/>
           </a:p>
         </p:txBody>
       </p:sp>
@@ -1689,9 +1689,9 @@
             <a:fld id="{2C1EE710-F46E-4A11-9E26-AAEA4D324068}" type="datetimeFigureOut">
               <a:rPr lang="es-ES" smtClean="0"/>
               <a:pPr/>
-              <a:t>06/01/2015</a:t>
+              <a:t>08/01/2015</a:t>
             </a:fld>
-            <a:endParaRPr lang="es-ES"/>
+            <a:endParaRPr lang="es-ES" dirty="0"/>
           </a:p>
         </p:txBody>
       </p:sp>
@@ -1715,7 +1715,7 @@
           <a:bodyPr/>
           <a:lstStyle/>
           <a:p>
-            <a:endParaRPr lang="es-ES"/>
+            <a:endParaRPr lang="es-ES" dirty="0"/>
           </a:p>
         </p:txBody>
       </p:sp>
@@ -1764,7 +1764,7 @@
           <a:lstStyle/>
           <a:p>
             <a:pPr algn="ctr" eaLnBrk="1" latinLnBrk="0" hangingPunct="1"/>
-            <a:endParaRPr kumimoji="0" lang="en-US"/>
+            <a:endParaRPr kumimoji="0" lang="en-US" dirty="0"/>
           </a:p>
         </p:txBody>
       </p:sp>
@@ -1813,7 +1813,7 @@
           <a:lstStyle/>
           <a:p>
             <a:pPr algn="ctr" eaLnBrk="1" latinLnBrk="0" hangingPunct="1"/>
-            <a:endParaRPr kumimoji="0" lang="en-US"/>
+            <a:endParaRPr kumimoji="0" lang="en-US" dirty="0"/>
           </a:p>
         </p:txBody>
       </p:sp>
@@ -1862,7 +1862,7 @@
           <a:lstStyle/>
           <a:p>
             <a:pPr algn="ctr" eaLnBrk="1" latinLnBrk="0" hangingPunct="1"/>
-            <a:endParaRPr kumimoji="0" lang="en-US"/>
+            <a:endParaRPr kumimoji="0" lang="en-US" dirty="0"/>
           </a:p>
         </p:txBody>
       </p:sp>
@@ -1911,7 +1911,7 @@
           <a:lstStyle/>
           <a:p>
             <a:pPr algn="ctr" eaLnBrk="1" latinLnBrk="0" hangingPunct="1"/>
-            <a:endParaRPr kumimoji="0" lang="en-US"/>
+            <a:endParaRPr kumimoji="0" lang="en-US" dirty="0"/>
           </a:p>
         </p:txBody>
       </p:sp>
@@ -1950,7 +1950,7 @@
           <a:bodyPr vert="horz" wrap="square" lIns="91440" tIns="45720" rIns="91440" bIns="45720" anchor="t" compatLnSpc="1"/>
           <a:lstStyle/>
           <a:p>
-            <a:endParaRPr kumimoji="0" lang="en-US"/>
+            <a:endParaRPr kumimoji="0" lang="en-US" dirty="0"/>
           </a:p>
         </p:txBody>
       </p:sp>
@@ -1989,7 +1989,7 @@
           <a:bodyPr vert="horz" wrap="square" lIns="91440" tIns="45720" rIns="91440" bIns="45720" anchor="t" compatLnSpc="1"/>
           <a:lstStyle/>
           <a:p>
-            <a:endParaRPr kumimoji="0" lang="en-US"/>
+            <a:endParaRPr kumimoji="0" lang="en-US" dirty="0"/>
           </a:p>
         </p:txBody>
       </p:sp>
@@ -2027,7 +2027,7 @@
           <a:bodyPr vert="horz" wrap="square" lIns="91440" tIns="45720" rIns="91440" bIns="45720" anchor="t" compatLnSpc="1"/>
           <a:lstStyle/>
           <a:p>
-            <a:endParaRPr kumimoji="0" lang="en-US"/>
+            <a:endParaRPr kumimoji="0" lang="en-US" dirty="0"/>
           </a:p>
         </p:txBody>
       </p:sp>
@@ -2066,7 +2066,7 @@
           <a:bodyPr vert="horz" wrap="square" lIns="91440" tIns="45720" rIns="91440" bIns="45720" anchor="t" compatLnSpc="1"/>
           <a:lstStyle/>
           <a:p>
-            <a:endParaRPr kumimoji="0" lang="en-US"/>
+            <a:endParaRPr kumimoji="0" lang="en-US" dirty="0"/>
           </a:p>
         </p:txBody>
       </p:sp>
@@ -2104,7 +2104,7 @@
           <a:bodyPr vert="horz" wrap="square" lIns="91440" tIns="45720" rIns="91440" bIns="45720" anchor="t" compatLnSpc="1"/>
           <a:lstStyle/>
           <a:p>
-            <a:endParaRPr kumimoji="0" lang="en-US"/>
+            <a:endParaRPr kumimoji="0" lang="en-US" dirty="0"/>
           </a:p>
         </p:txBody>
       </p:sp>
@@ -2406,7 +2406,7 @@
           <a:bodyPr vert="horz" wrap="square" lIns="91440" tIns="45720" rIns="91440" bIns="45720" anchor="t" compatLnSpc="1"/>
           <a:lstStyle/>
           <a:p>
-            <a:endParaRPr kumimoji="0" lang="en-US"/>
+            <a:endParaRPr kumimoji="0" lang="en-US" dirty="0"/>
           </a:p>
         </p:txBody>
       </p:sp>
@@ -2435,7 +2435,7 @@
               <a:pPr/>
               <a:t>‹Nº›</a:t>
             </a:fld>
-            <a:endParaRPr lang="es-ES"/>
+            <a:endParaRPr lang="es-ES" dirty="0"/>
           </a:p>
         </p:txBody>
       </p:sp>
@@ -2505,9 +2505,9 @@
             <a:fld id="{2C1EE710-F46E-4A11-9E26-AAEA4D324068}" type="datetimeFigureOut">
               <a:rPr lang="es-ES" smtClean="0"/>
               <a:pPr/>
-              <a:t>06/01/2015</a:t>
+              <a:t>08/01/2015</a:t>
             </a:fld>
-            <a:endParaRPr lang="es-ES"/>
+            <a:endParaRPr lang="es-ES" dirty="0"/>
           </a:p>
         </p:txBody>
       </p:sp>
@@ -2526,7 +2526,7 @@
           <a:bodyPr/>
           <a:lstStyle/>
           <a:p>
-            <a:endParaRPr lang="es-ES"/>
+            <a:endParaRPr lang="es-ES" dirty="0"/>
           </a:p>
         </p:txBody>
       </p:sp>
@@ -2550,7 +2550,7 @@
               <a:pPr/>
               <a:t>‹Nº›</a:t>
             </a:fld>
-            <a:endParaRPr lang="es-ES"/>
+            <a:endParaRPr lang="es-ES" dirty="0"/>
           </a:p>
         </p:txBody>
       </p:sp>
@@ -2743,9 +2743,9 @@
             <a:fld id="{2C1EE710-F46E-4A11-9E26-AAEA4D324068}" type="datetimeFigureOut">
               <a:rPr lang="es-ES" smtClean="0"/>
               <a:pPr/>
-              <a:t>06/01/2015</a:t>
+              <a:t>08/01/2015</a:t>
             </a:fld>
-            <a:endParaRPr lang="es-ES"/>
+            <a:endParaRPr lang="es-ES" dirty="0"/>
           </a:p>
         </p:txBody>
       </p:sp>
@@ -2764,7 +2764,7 @@
           <a:bodyPr/>
           <a:lstStyle/>
           <a:p>
-            <a:endParaRPr lang="es-ES"/>
+            <a:endParaRPr lang="es-ES" dirty="0"/>
           </a:p>
         </p:txBody>
       </p:sp>
@@ -2788,7 +2788,7 @@
               <a:pPr/>
               <a:t>‹Nº›</a:t>
             </a:fld>
-            <a:endParaRPr lang="es-ES"/>
+            <a:endParaRPr lang="es-ES" dirty="0"/>
           </a:p>
         </p:txBody>
       </p:sp>
@@ -3068,9 +3068,9 @@
             <a:fld id="{2C1EE710-F46E-4A11-9E26-AAEA4D324068}" type="datetimeFigureOut">
               <a:rPr lang="es-ES" smtClean="0"/>
               <a:pPr/>
-              <a:t>06/01/2015</a:t>
+              <a:t>08/01/2015</a:t>
             </a:fld>
-            <a:endParaRPr lang="es-ES"/>
+            <a:endParaRPr lang="es-ES" dirty="0"/>
           </a:p>
         </p:txBody>
       </p:sp>
@@ -3094,7 +3094,7 @@
               <a:pPr/>
               <a:t>‹Nº›</a:t>
             </a:fld>
-            <a:endParaRPr lang="es-ES"/>
+            <a:endParaRPr lang="es-ES" dirty="0"/>
           </a:p>
         </p:txBody>
       </p:sp>
@@ -3113,7 +3113,7 @@
           <a:bodyPr rtlCol="0"/>
           <a:lstStyle/>
           <a:p>
-            <a:endParaRPr lang="es-ES"/>
+            <a:endParaRPr lang="es-ES" dirty="0"/>
           </a:p>
         </p:txBody>
       </p:sp>
@@ -3160,9 +3160,9 @@
             <a:fld id="{2C1EE710-F46E-4A11-9E26-AAEA4D324068}" type="datetimeFigureOut">
               <a:rPr lang="es-ES" smtClean="0"/>
               <a:pPr/>
-              <a:t>06/01/2015</a:t>
+              <a:t>08/01/2015</a:t>
             </a:fld>
-            <a:endParaRPr lang="es-ES"/>
+            <a:endParaRPr lang="es-ES" dirty="0"/>
           </a:p>
         </p:txBody>
       </p:sp>
@@ -3181,7 +3181,7 @@
           <a:bodyPr/>
           <a:lstStyle/>
           <a:p>
-            <a:endParaRPr lang="es-ES"/>
+            <a:endParaRPr lang="es-ES" dirty="0"/>
           </a:p>
         </p:txBody>
       </p:sp>
@@ -3205,7 +3205,7 @@
               <a:pPr/>
               <a:t>‹Nº›</a:t>
             </a:fld>
-            <a:endParaRPr lang="es-ES"/>
+            <a:endParaRPr lang="es-ES" dirty="0"/>
           </a:p>
         </p:txBody>
       </p:sp>
@@ -3472,7 +3472,7 @@
           <a:bodyPr vert="horz" wrap="square" lIns="91440" tIns="45720" rIns="91440" bIns="45720" anchor="t" compatLnSpc="1"/>
           <a:lstStyle/>
           <a:p>
-            <a:endParaRPr kumimoji="0" lang="en-US"/>
+            <a:endParaRPr kumimoji="0" lang="en-US" dirty="0"/>
           </a:p>
         </p:txBody>
       </p:sp>
@@ -3521,7 +3521,7 @@
           <a:lstStyle/>
           <a:p>
             <a:pPr algn="ctr" eaLnBrk="1" latinLnBrk="0" hangingPunct="1"/>
-            <a:endParaRPr kumimoji="0" lang="en-US"/>
+            <a:endParaRPr kumimoji="0" lang="en-US" dirty="0"/>
           </a:p>
         </p:txBody>
       </p:sp>
@@ -3557,7 +3557,7 @@
           <a:bodyPr vert="horz" wrap="square" lIns="91440" tIns="45720" rIns="91440" bIns="45720" anchor="t" compatLnSpc="1"/>
           <a:lstStyle/>
           <a:p>
-            <a:endParaRPr kumimoji="0" lang="en-US"/>
+            <a:endParaRPr kumimoji="0" lang="en-US" dirty="0"/>
           </a:p>
         </p:txBody>
       </p:sp>
@@ -3679,9 +3679,9 @@
             <a:fld id="{2C1EE710-F46E-4A11-9E26-AAEA4D324068}" type="datetimeFigureOut">
               <a:rPr lang="es-ES" smtClean="0"/>
               <a:pPr/>
-              <a:t>06/01/2015</a:t>
+              <a:t>08/01/2015</a:t>
             </a:fld>
-            <a:endParaRPr lang="es-ES"/>
+            <a:endParaRPr lang="es-ES" dirty="0"/>
           </a:p>
         </p:txBody>
       </p:sp>
@@ -3705,7 +3705,7 @@
               <a:pPr/>
               <a:t>‹Nº›</a:t>
             </a:fld>
-            <a:endParaRPr lang="es-ES"/>
+            <a:endParaRPr lang="es-ES" dirty="0"/>
           </a:p>
         </p:txBody>
       </p:sp>
@@ -3724,7 +3724,7 @@
           <a:bodyPr rtlCol="0"/>
           <a:lstStyle/>
           <a:p>
-            <a:endParaRPr lang="es-ES"/>
+            <a:endParaRPr lang="es-ES" dirty="0"/>
           </a:p>
         </p:txBody>
       </p:sp>
@@ -3787,7 +3787,7 @@
           <a:bodyPr vert="horz" wrap="square" lIns="91440" tIns="45720" rIns="91440" bIns="45720" anchor="t" compatLnSpc="1"/>
           <a:lstStyle/>
           <a:p>
-            <a:endParaRPr kumimoji="0" lang="en-US"/>
+            <a:endParaRPr kumimoji="0" lang="en-US" dirty="0"/>
           </a:p>
         </p:txBody>
       </p:sp>
@@ -3919,7 +3919,7 @@
               <a:buNone/>
             </a:pPr>
             <a:r>
-              <a:rPr kumimoji="0" lang="es-ES" smtClean="0"/>
+              <a:rPr kumimoji="0" lang="es-ES" dirty="0" smtClean="0"/>
               <a:t>Haga clic en el icono para agregar una imagen</a:t>
             </a:r>
             <a:endParaRPr kumimoji="0" lang="en-US" dirty="0"/>
@@ -4012,7 +4012,7 @@
           <a:bodyPr vert="horz" wrap="square" lIns="91440" tIns="45720" rIns="91440" bIns="45720" anchor="t" compatLnSpc="1"/>
           <a:lstStyle/>
           <a:p>
-            <a:endParaRPr kumimoji="0" lang="en-US"/>
+            <a:endParaRPr kumimoji="0" lang="en-US" dirty="0"/>
           </a:p>
         </p:txBody>
       </p:sp>
@@ -4060,7 +4060,7 @@
           <a:lstStyle/>
           <a:p>
             <a:pPr algn="ctr" eaLnBrk="1" latinLnBrk="0" hangingPunct="1"/>
-            <a:endParaRPr kumimoji="0" lang="en-US"/>
+            <a:endParaRPr kumimoji="0" lang="en-US" dirty="0"/>
           </a:p>
         </p:txBody>
       </p:sp>
@@ -4096,7 +4096,7 @@
           <a:bodyPr vert="horz" wrap="square" lIns="91440" tIns="45720" rIns="91440" bIns="45720" anchor="t" compatLnSpc="1"/>
           <a:lstStyle/>
           <a:p>
-            <a:endParaRPr kumimoji="0" lang="en-US"/>
+            <a:endParaRPr kumimoji="0" lang="en-US" dirty="0"/>
           </a:p>
         </p:txBody>
       </p:sp>
@@ -4192,9 +4192,9 @@
             <a:fld id="{2C1EE710-F46E-4A11-9E26-AAEA4D324068}" type="datetimeFigureOut">
               <a:rPr lang="es-ES" smtClean="0"/>
               <a:pPr/>
-              <a:t>06/01/2015</a:t>
+              <a:t>08/01/2015</a:t>
             </a:fld>
-            <a:endParaRPr lang="es-ES"/>
+            <a:endParaRPr lang="es-ES" dirty="0"/>
           </a:p>
         </p:txBody>
       </p:sp>
@@ -4218,7 +4218,7 @@
               <a:pPr/>
               <a:t>‹Nº›</a:t>
             </a:fld>
-            <a:endParaRPr lang="es-ES"/>
+            <a:endParaRPr lang="es-ES" dirty="0"/>
           </a:p>
         </p:txBody>
       </p:sp>
@@ -4237,7 +4237,7 @@
           <a:bodyPr rtlCol="0"/>
           <a:lstStyle/>
           <a:p>
-            <a:endParaRPr lang="es-ES"/>
+            <a:endParaRPr lang="es-ES" dirty="0"/>
           </a:p>
         </p:txBody>
       </p:sp>
@@ -4439,9 +4439,9 @@
             <a:fld id="{2C1EE710-F46E-4A11-9E26-AAEA4D324068}" type="datetimeFigureOut">
               <a:rPr lang="es-ES" smtClean="0"/>
               <a:pPr/>
-              <a:t>06/01/2015</a:t>
+              <a:t>08/01/2015</a:t>
             </a:fld>
-            <a:endParaRPr lang="es-ES"/>
+            <a:endParaRPr lang="es-ES" dirty="0"/>
           </a:p>
         </p:txBody>
       </p:sp>
@@ -4476,7 +4476,7 @@
             </a:lvl1pPr>
           </a:lstStyle>
           <a:p>
-            <a:endParaRPr lang="es-ES"/>
+            <a:endParaRPr lang="es-ES" dirty="0"/>
           </a:p>
         </p:txBody>
       </p:sp>
@@ -4514,7 +4514,7 @@
           <a:bodyPr vert="horz" wrap="square" lIns="91440" tIns="45720" rIns="91440" bIns="45720" anchor="t" compatLnSpc="1"/>
           <a:lstStyle/>
           <a:p>
-            <a:endParaRPr kumimoji="0" lang="en-US"/>
+            <a:endParaRPr kumimoji="0" lang="en-US" dirty="0"/>
           </a:p>
         </p:txBody>
       </p:sp>
@@ -4550,7 +4550,7 @@
           <a:bodyPr vert="horz" wrap="square" lIns="91440" tIns="45720" rIns="91440" bIns="45720" anchor="t" compatLnSpc="1"/>
           <a:lstStyle/>
           <a:p>
-            <a:endParaRPr kumimoji="0" lang="en-US"/>
+            <a:endParaRPr kumimoji="0" lang="en-US" dirty="0"/>
           </a:p>
         </p:txBody>
       </p:sp>
@@ -4599,7 +4599,7 @@
           <a:lstStyle/>
           <a:p>
             <a:pPr algn="ctr" eaLnBrk="1" latinLnBrk="0" hangingPunct="1"/>
-            <a:endParaRPr kumimoji="0" lang="en-US"/>
+            <a:endParaRPr kumimoji="0" lang="en-US" dirty="0"/>
           </a:p>
         </p:txBody>
       </p:sp>
@@ -4635,7 +4635,7 @@
           <a:bodyPr vert="horz" wrap="square" lIns="91440" tIns="45720" rIns="91440" bIns="45720" anchor="t" compatLnSpc="1"/>
           <a:lstStyle/>
           <a:p>
-            <a:endParaRPr kumimoji="0" lang="en-US"/>
+            <a:endParaRPr kumimoji="0" lang="en-US" dirty="0"/>
           </a:p>
         </p:txBody>
       </p:sp>
@@ -4718,7 +4718,7 @@
               <a:pPr/>
               <a:t>‹Nº›</a:t>
             </a:fld>
-            <a:endParaRPr lang="es-ES"/>
+            <a:endParaRPr lang="es-ES" dirty="0"/>
           </a:p>
         </p:txBody>
       </p:sp>
@@ -5190,7 +5190,7 @@
               <a:t>Creación de </a:t>
             </a:r>
             <a:r>
-              <a:rPr lang="es-ES" dirty="0" err="1" smtClean="0"/>
+              <a:rPr lang="es-ES" dirty="0" smtClean="0"/>
               <a:t>apk</a:t>
             </a:r>
             <a:r>
@@ -5324,7 +5324,7 @@
               <a:t>Creación de </a:t>
             </a:r>
             <a:r>
-              <a:rPr lang="es-ES" dirty="0" err="1" smtClean="0"/>
+              <a:rPr lang="es-ES" dirty="0" smtClean="0"/>
               <a:t>apk</a:t>
             </a:r>
             <a:r>
@@ -5537,19 +5537,7 @@
               <a:rPr lang="es-ES" sz="2400" dirty="0" smtClean="0">
                 <a:hlinkClick r:id="rId4"/>
               </a:rPr>
-              <a:t>https</a:t>
-            </a:r>
-            <a:r>
-              <a:rPr lang="es-ES" sz="2400" dirty="0" smtClean="0">
-                <a:hlinkClick r:id="rId4"/>
-              </a:rPr>
-              <a:t>://</a:t>
-            </a:r>
-            <a:r>
-              <a:rPr lang="es-ES" sz="2400" dirty="0" smtClean="0">
-                <a:hlinkClick r:id="rId4"/>
-              </a:rPr>
-              <a:t>github.com/Jick9536/NPI-P3</a:t>
+              <a:t>https://github.com/Jick9536/NPI-P3</a:t>
             </a:r>
             <a:endParaRPr lang="es-ES" sz="2400" dirty="0" smtClean="0"/>
           </a:p>
@@ -5811,11 +5799,7 @@
           <a:p>
             <a:r>
               <a:rPr lang="es-ES" dirty="0" smtClean="0"/>
-              <a:t>La predicción por defecto 1.0 es muy baja hay que ajustarla bien para cada tipo de dispositivo si no se quiere que se reconozcan varios gestos simultáneamente</a:t>
-            </a:r>
-            <a:r>
-              <a:rPr lang="es-ES" dirty="0" smtClean="0"/>
-              <a:t>.</a:t>
+              <a:t>La predicción por defecto 1.0 es muy baja hay que ajustarla bien para cada tipo de dispositivo si no se quiere que se reconozcan varios gestos simultáneamente.</a:t>
             </a:r>
             <a:br>
               <a:rPr lang="es-ES" dirty="0" smtClean="0"/>
@@ -5829,22 +5813,18 @@
             <a:pPr fontAlgn="base"/>
             <a:r>
               <a:rPr lang="es-ES" dirty="0" smtClean="0"/>
-              <a:t>Los </a:t>
-            </a:r>
-            <a:r>
-              <a:rPr lang="es-ES" dirty="0" smtClean="0"/>
-              <a:t>gestos tienen que hacerse en un solo trazo. Aunque </a:t>
-            </a:r>
-            <a:r>
-              <a:rPr lang="es-ES" dirty="0" err="1" smtClean="0"/>
+              <a:t>Los gestos tienen que hacerse en un solo trazo. Aunque </a:t>
+            </a:r>
+            <a:r>
+              <a:rPr lang="es-ES" i="1" dirty="0" smtClean="0"/>
               <a:t>gesture</a:t>
             </a:r>
             <a:r>
-              <a:rPr lang="es-ES" dirty="0" smtClean="0"/>
+              <a:rPr lang="es-ES" i="1" dirty="0" smtClean="0"/>
               <a:t> </a:t>
             </a:r>
             <a:r>
-              <a:rPr lang="es-ES" u="sng" dirty="0" err="1" smtClean="0"/>
+              <a:rPr lang="es-ES" i="1" dirty="0" smtClean="0"/>
               <a:t>tool</a:t>
             </a:r>
             <a:r>
@@ -5856,12 +5836,16 @@
               <a:t> </a:t>
             </a:r>
             <a:r>
-              <a:rPr lang="en-US" dirty="0" err="1" smtClean="0"/>
+              <a:rPr lang="en-US" i="1" dirty="0" smtClean="0"/>
               <a:t>android:gestureStrokeType</a:t>
             </a:r>
             <a:r>
+              <a:rPr lang="en-US" i="1" dirty="0" smtClean="0"/>
+              <a:t>="multiple”</a:t>
+            </a:r>
+            <a:r>
               <a:rPr lang="en-US" dirty="0" smtClean="0"/>
-              <a:t>="multiple”</a:t>
+              <a:t/>
             </a:r>
             <a:br>
               <a:rPr lang="en-US" dirty="0" smtClean="0"/>
@@ -5871,12 +5855,16 @@
               <a:t>y </a:t>
             </a:r>
             <a:r>
-              <a:rPr lang="en-US" dirty="0" err="1" smtClean="0"/>
+              <a:rPr lang="en-US" i="1" dirty="0" smtClean="0"/>
               <a:t>android:fadeOffset</a:t>
             </a:r>
             <a:r>
+              <a:rPr lang="en-US" i="1" dirty="0" smtClean="0"/>
+              <a:t>="800"/ </a:t>
+            </a:r>
+            <a:r>
               <a:rPr lang="en-US" dirty="0" smtClean="0"/>
-              <a:t>="800"/ en el xml</a:t>
+              <a:t>en el xml</a:t>
             </a:r>
             <a:endParaRPr lang="es-ES" dirty="0" smtClean="0"/>
           </a:p>
@@ -5945,7 +5933,7 @@
               <a:t>Ejemplos de uso de librería de </a:t>
             </a:r>
             <a:r>
-              <a:rPr lang="es-ES" sz="2000" dirty="0" err="1" smtClean="0"/>
+              <a:rPr lang="es-ES" sz="2000" dirty="0" smtClean="0"/>
               <a:t>gesture</a:t>
             </a:r>
             <a:endParaRPr lang="es-ES" sz="2000" dirty="0"/>
@@ -6015,11 +6003,9 @@
           <a:p>
             <a:pPr lvl="0"/>
             <a:r>
-              <a:rPr lang="es-ES" sz="2200" dirty="0" err="1" smtClean="0">
+              <a:rPr lang="es-ES" sz="2200" dirty="0" smtClean="0">
                 <a:solidFill>
-                  <a:schemeClr val="tx1">
-                    <a:tint val="75000"/>
-                  </a:schemeClr>
+                  <a:schemeClr val="tx1"/>
                 </a:solidFill>
               </a:rPr>
               <a:t>Gesture</a:t>
@@ -6027,19 +6013,15 @@
             <a:r>
               <a:rPr lang="es-ES" sz="2200" dirty="0" smtClean="0">
                 <a:solidFill>
-                  <a:schemeClr val="tx1">
-                    <a:tint val="75000"/>
-                  </a:schemeClr>
+                  <a:schemeClr val="tx1"/>
                 </a:solidFill>
               </a:rPr>
               <a:t> </a:t>
             </a:r>
             <a:r>
-              <a:rPr lang="es-ES" sz="2200" dirty="0" err="1" smtClean="0">
+              <a:rPr lang="es-ES" sz="2200" dirty="0" smtClean="0">
                 <a:solidFill>
-                  <a:schemeClr val="tx1">
-                    <a:tint val="75000"/>
-                  </a:schemeClr>
+                  <a:schemeClr val="tx1"/>
                 </a:solidFill>
               </a:rPr>
               <a:t>Search</a:t>
@@ -6047,9 +6029,7 @@
             <a:r>
               <a:rPr lang="es-ES" sz="2200" dirty="0" smtClean="0">
                 <a:solidFill>
-                  <a:schemeClr val="tx1">
-                    <a:tint val="75000"/>
-                  </a:schemeClr>
+                  <a:schemeClr val="tx1"/>
                 </a:solidFill>
               </a:rPr>
               <a:t> </a:t>
@@ -6063,9 +6043,20 @@
                 </a:solidFill>
                 <a:hlinkClick r:id="rId5"/>
               </a:rPr>
-              <a:t>http://www.youtube.com/watch?v=mW9r7hXi8mk</a:t>
-            </a:r>
-            <a:endParaRPr lang="es-ES" sz="2200" dirty="0" smtClean="0">
+              <a:t>http://</a:t>
+            </a:r>
+            <a:r>
+              <a:rPr lang="es-ES" sz="2200" u="sng" dirty="0" smtClean="0">
+                <a:solidFill>
+                  <a:schemeClr val="tx1">
+                    <a:tint val="75000"/>
+                  </a:schemeClr>
+                </a:solidFill>
+                <a:hlinkClick r:id="rId5"/>
+              </a:rPr>
+              <a:t>www.youtube.com/watch?v=mW9r7hXi8mk</a:t>
+            </a:r>
+            <a:endParaRPr lang="es-ES" sz="2200" u="sng" dirty="0" smtClean="0">
               <a:solidFill>
                 <a:schemeClr val="tx1">
                   <a:tint val="75000"/>
@@ -6075,11 +6066,9 @@
           </a:p>
           <a:p>
             <a:r>
-              <a:rPr lang="es-ES" sz="2200" dirty="0" err="1" smtClean="0">
+              <a:rPr lang="es-ES" sz="2200" dirty="0" smtClean="0">
                 <a:solidFill>
-                  <a:schemeClr val="tx1">
-                    <a:tint val="75000"/>
-                  </a:schemeClr>
+                  <a:schemeClr val="tx1"/>
                 </a:solidFill>
               </a:rPr>
               <a:t>Gesture</a:t>
@@ -6087,19 +6076,15 @@
             <a:r>
               <a:rPr lang="es-ES" sz="2200" dirty="0" smtClean="0">
                 <a:solidFill>
-                  <a:schemeClr val="tx1">
-                    <a:tint val="75000"/>
-                  </a:schemeClr>
+                  <a:schemeClr val="tx1"/>
                 </a:solidFill>
               </a:rPr>
               <a:t>  </a:t>
             </a:r>
             <a:r>
-              <a:rPr lang="es-ES" sz="2200" dirty="0" err="1" smtClean="0">
+              <a:rPr lang="es-ES" sz="2200" dirty="0" smtClean="0">
                 <a:solidFill>
-                  <a:schemeClr val="tx1">
-                    <a:tint val="75000"/>
-                  </a:schemeClr>
+                  <a:schemeClr val="tx1"/>
                 </a:solidFill>
               </a:rPr>
               <a:t>Launcher</a:t>
@@ -6107,9 +6092,7 @@
             <a:r>
               <a:rPr lang="es-ES" sz="2200" dirty="0" smtClean="0">
                 <a:solidFill>
-                  <a:schemeClr val="tx1">
-                    <a:tint val="75000"/>
-                  </a:schemeClr>
+                  <a:schemeClr val="tx1"/>
                 </a:solidFill>
               </a:rPr>
               <a:t> </a:t>
@@ -6126,7 +6109,7 @@
               <a:t>https://gitorious.org/g2l-gesture-launcher/g2l-gesture </a:t>
             </a:r>
             <a:r>
-              <a:rPr lang="es-ES" sz="2200" dirty="0" err="1" smtClean="0">
+              <a:rPr lang="es-ES" sz="2200" dirty="0" smtClean="0">
                 <a:solidFill>
                   <a:schemeClr val="tx1">
                     <a:tint val="75000"/>
@@ -6148,7 +6131,7 @@
               <a:t>/</a:t>
             </a:r>
             <a:r>
-              <a:rPr lang="es-ES" sz="2200" dirty="0" err="1" smtClean="0">
+              <a:rPr lang="es-ES" sz="2200" dirty="0" smtClean="0">
                 <a:solidFill>
                   <a:schemeClr val="tx1">
                     <a:tint val="75000"/>
@@ -6210,7 +6193,7 @@
               <a:t> </a:t>
             </a:r>
             <a:r>
-              <a:rPr lang="es-ES" sz="2200" dirty="0" err="1" smtClean="0"/>
+              <a:rPr lang="es-ES" sz="2200" dirty="0" smtClean="0"/>
               <a:t>Move’n</a:t>
             </a:r>
             <a:r>
@@ -6218,7 +6201,7 @@
               <a:t> </a:t>
             </a:r>
             <a:r>
-              <a:rPr lang="es-ES" sz="2200" dirty="0" err="1" smtClean="0"/>
+              <a:rPr lang="es-ES" sz="2200" dirty="0" smtClean="0"/>
               <a:t>Launch</a:t>
             </a:r>
             <a:r>
@@ -6235,7 +6218,7 @@
           </a:p>
           <a:p>
             <a:r>
-              <a:rPr lang="es-ES" sz="2200" dirty="0" err="1" smtClean="0"/>
+              <a:rPr lang="es-ES" sz="2200" dirty="0" smtClean="0"/>
               <a:t>Sign</a:t>
             </a:r>
             <a:r>
@@ -6298,7 +6281,8 @@
             <a:endParaRPr lang="es-ES" sz="1000" b="1" dirty="0" smtClean="0">
               <a:solidFill>
                 <a:schemeClr val="tx1">
-                  <a:tint val="75000"/>
+                  <a:lumMod val="75000"/>
+                  <a:lumOff val="25000"/>
                 </a:schemeClr>
               </a:solidFill>
               <a:hlinkClick r:id="rId10"/>
@@ -6313,8 +6297,9 @@
             <a:r>
               <a:rPr lang="es-ES" sz="1200" b="1" dirty="0" smtClean="0">
                 <a:solidFill>
-                  <a:schemeClr val="tx1">
-                    <a:tint val="75000"/>
+                  <a:schemeClr val="accent4">
+                    <a:lumMod val="40000"/>
+                    <a:lumOff val="60000"/>
                   </a:schemeClr>
                 </a:solidFill>
                 <a:hlinkClick r:id="rId10"/>
@@ -6324,8 +6309,9 @@
             <a:r>
               <a:rPr lang="es-ES" sz="1200" b="1" dirty="0">
                 <a:solidFill>
-                  <a:schemeClr val="tx1">
-                    <a:tint val="75000"/>
+                  <a:schemeClr val="accent4">
+                    <a:lumMod val="40000"/>
+                    <a:lumOff val="60000"/>
                   </a:schemeClr>
                 </a:solidFill>
                 <a:hlinkClick r:id="rId10"/>
@@ -6335,8 +6321,9 @@
             <a:r>
               <a:rPr lang="es-ES" sz="1200" b="1" dirty="0" smtClean="0">
                 <a:solidFill>
-                  <a:schemeClr val="tx1">
-                    <a:tint val="75000"/>
+                  <a:schemeClr val="accent4">
+                    <a:lumMod val="40000"/>
+                    <a:lumOff val="60000"/>
                   </a:schemeClr>
                 </a:solidFill>
                 <a:hlinkClick r:id="rId10"/>
@@ -6345,8 +6332,9 @@
             </a:r>
             <a:endParaRPr lang="es-ES" sz="1200" b="1" dirty="0" smtClean="0">
               <a:solidFill>
-                <a:schemeClr val="tx1">
-                  <a:tint val="75000"/>
+                <a:schemeClr val="accent4">
+                  <a:lumMod val="40000"/>
+                  <a:lumOff val="60000"/>
                 </a:schemeClr>
               </a:solidFill>
             </a:endParaRPr>
@@ -6360,8 +6348,9 @@
             <a:r>
               <a:rPr lang="es-ES" sz="1200" b="1" dirty="0">
                 <a:solidFill>
-                  <a:schemeClr val="tx1">
-                    <a:tint val="75000"/>
+                  <a:schemeClr val="accent4">
+                    <a:lumMod val="40000"/>
+                    <a:lumOff val="60000"/>
                   </a:schemeClr>
                 </a:solidFill>
                 <a:hlinkClick r:id="rId11"/>
@@ -6371,8 +6360,9 @@
             <a:r>
               <a:rPr lang="es-ES" sz="1200" b="1" dirty="0" smtClean="0">
                 <a:solidFill>
-                  <a:schemeClr val="tx1">
-                    <a:tint val="75000"/>
+                  <a:schemeClr val="accent4">
+                    <a:lumMod val="40000"/>
+                    <a:lumOff val="60000"/>
                   </a:schemeClr>
                 </a:solidFill>
                 <a:hlinkClick r:id="rId11"/>
@@ -6381,8 +6371,9 @@
             </a:r>
             <a:endParaRPr lang="es-ES" sz="1200" b="1" dirty="0" smtClean="0">
               <a:solidFill>
-                <a:schemeClr val="tx1">
-                  <a:tint val="75000"/>
+                <a:schemeClr val="accent4">
+                  <a:lumMod val="40000"/>
+                  <a:lumOff val="60000"/>
                 </a:schemeClr>
               </a:solidFill>
             </a:endParaRPr>
@@ -6396,8 +6387,9 @@
             <a:r>
               <a:rPr lang="es-ES" sz="1200" b="1" dirty="0">
                 <a:solidFill>
-                  <a:schemeClr val="tx1">
-                    <a:tint val="75000"/>
+                  <a:schemeClr val="accent4">
+                    <a:lumMod val="40000"/>
+                    <a:lumOff val="60000"/>
                   </a:schemeClr>
                 </a:solidFill>
                 <a:hlinkClick r:id="rId12"/>
@@ -6407,8 +6399,9 @@
             <a:r>
               <a:rPr lang="es-ES" sz="1200" b="1" dirty="0" smtClean="0">
                 <a:solidFill>
-                  <a:schemeClr val="tx1">
-                    <a:tint val="75000"/>
+                  <a:schemeClr val="accent4">
+                    <a:lumMod val="40000"/>
+                    <a:lumOff val="60000"/>
                   </a:schemeClr>
                 </a:solidFill>
                 <a:hlinkClick r:id="rId12"/>
@@ -6417,8 +6410,9 @@
             </a:r>
             <a:endParaRPr lang="es-ES" sz="1200" b="1" dirty="0" smtClean="0">
               <a:solidFill>
-                <a:schemeClr val="tx1">
-                  <a:tint val="75000"/>
+                <a:schemeClr val="accent4">
+                  <a:lumMod val="40000"/>
+                  <a:lumOff val="60000"/>
                 </a:schemeClr>
               </a:solidFill>
             </a:endParaRPr>
@@ -6432,8 +6426,9 @@
             <a:r>
               <a:rPr lang="es-ES" sz="1200" b="1" dirty="0">
                 <a:solidFill>
-                  <a:schemeClr val="tx1">
-                    <a:tint val="75000"/>
+                  <a:schemeClr val="accent4">
+                    <a:lumMod val="40000"/>
+                    <a:lumOff val="60000"/>
                   </a:schemeClr>
                 </a:solidFill>
                 <a:hlinkClick r:id="rId13"/>
@@ -6443,8 +6438,9 @@
             <a:r>
               <a:rPr lang="es-ES" sz="1200" b="1" dirty="0" smtClean="0">
                 <a:solidFill>
-                  <a:schemeClr val="tx1">
-                    <a:tint val="75000"/>
+                  <a:schemeClr val="accent4">
+                    <a:lumMod val="40000"/>
+                    <a:lumOff val="60000"/>
                   </a:schemeClr>
                 </a:solidFill>
                 <a:hlinkClick r:id="rId13"/>
@@ -6453,8 +6449,9 @@
             </a:r>
             <a:endParaRPr lang="es-ES" sz="1200" b="1" dirty="0" smtClean="0">
               <a:solidFill>
-                <a:schemeClr val="tx1">
-                  <a:tint val="75000"/>
+                <a:schemeClr val="accent4">
+                  <a:lumMod val="40000"/>
+                  <a:lumOff val="60000"/>
                 </a:schemeClr>
               </a:solidFill>
             </a:endParaRPr>
@@ -6468,8 +6465,9 @@
             <a:r>
               <a:rPr lang="es-ES" sz="1200" b="1" dirty="0">
                 <a:solidFill>
-                  <a:schemeClr val="tx1">
-                    <a:tint val="75000"/>
+                  <a:schemeClr val="accent4">
+                    <a:lumMod val="40000"/>
+                    <a:lumOff val="60000"/>
                   </a:schemeClr>
                 </a:solidFill>
                 <a:hlinkClick r:id="rId14"/>
@@ -6479,8 +6477,9 @@
             <a:r>
               <a:rPr lang="es-ES" sz="1200" b="1" dirty="0" smtClean="0">
                 <a:solidFill>
-                  <a:schemeClr val="tx1">
-                    <a:tint val="75000"/>
+                  <a:schemeClr val="accent4">
+                    <a:lumMod val="40000"/>
+                    <a:lumOff val="60000"/>
                   </a:schemeClr>
                 </a:solidFill>
                 <a:hlinkClick r:id="rId14"/>
@@ -6489,8 +6488,9 @@
             </a:r>
             <a:endParaRPr lang="es-ES" sz="1200" b="1" dirty="0" smtClean="0">
               <a:solidFill>
-                <a:schemeClr val="tx1">
-                  <a:tint val="75000"/>
+                <a:schemeClr val="accent4">
+                  <a:lumMod val="40000"/>
+                  <a:lumOff val="60000"/>
                 </a:schemeClr>
               </a:solidFill>
             </a:endParaRPr>
@@ -6503,14 +6503,21 @@
             </a:pPr>
             <a:r>
               <a:rPr lang="es-ES" sz="1200" dirty="0" smtClean="0">
+                <a:solidFill>
+                  <a:schemeClr val="accent4">
+                    <a:lumMod val="40000"/>
+                    <a:lumOff val="60000"/>
+                  </a:schemeClr>
+                </a:solidFill>
                 <a:hlinkClick r:id="rId15"/>
               </a:rPr>
               <a:t>http://developer.android.com/reference/android/gesture/package-summary.html</a:t>
             </a:r>
             <a:endParaRPr lang="es-ES" sz="1200" b="1" dirty="0" smtClean="0">
               <a:solidFill>
-                <a:schemeClr val="tx1">
-                  <a:tint val="75000"/>
+                <a:schemeClr val="accent4">
+                  <a:lumMod val="40000"/>
+                  <a:lumOff val="60000"/>
                 </a:schemeClr>
               </a:solidFill>
             </a:endParaRPr>
@@ -6524,8 +6531,9 @@
             <a:r>
               <a:rPr lang="es-ES" sz="1200" b="1" dirty="0">
                 <a:solidFill>
-                  <a:schemeClr val="tx1">
-                    <a:tint val="75000"/>
+                  <a:schemeClr val="accent4">
+                    <a:lumMod val="40000"/>
+                    <a:lumOff val="60000"/>
                   </a:schemeClr>
                 </a:solidFill>
                 <a:hlinkClick r:id="rId16"/>
@@ -6535,8 +6543,9 @@
             <a:r>
               <a:rPr lang="es-ES" sz="1200" b="1" dirty="0" smtClean="0">
                 <a:solidFill>
-                  <a:schemeClr val="tx1">
-                    <a:tint val="75000"/>
+                  <a:schemeClr val="accent4">
+                    <a:lumMod val="40000"/>
+                    <a:lumOff val="60000"/>
                   </a:schemeClr>
                 </a:solidFill>
                 <a:hlinkClick r:id="rId16"/>
@@ -6545,8 +6554,9 @@
             </a:r>
             <a:endParaRPr lang="es-ES" sz="1200" b="1" dirty="0" smtClean="0">
               <a:solidFill>
-                <a:schemeClr val="tx1">
-                  <a:tint val="75000"/>
+                <a:schemeClr val="accent4">
+                  <a:lumMod val="40000"/>
+                  <a:lumOff val="60000"/>
                 </a:schemeClr>
               </a:solidFill>
             </a:endParaRPr>
@@ -6560,8 +6570,9 @@
             <a:r>
               <a:rPr lang="es-ES" sz="1200" b="1" dirty="0">
                 <a:solidFill>
-                  <a:schemeClr val="tx1">
-                    <a:tint val="75000"/>
+                  <a:schemeClr val="accent4">
+                    <a:lumMod val="40000"/>
+                    <a:lumOff val="60000"/>
                   </a:schemeClr>
                 </a:solidFill>
                 <a:hlinkClick r:id="rId17"/>
@@ -6571,8 +6582,9 @@
             <a:r>
               <a:rPr lang="es-ES" sz="1200" b="1" dirty="0" smtClean="0">
                 <a:solidFill>
-                  <a:schemeClr val="tx1">
-                    <a:tint val="75000"/>
+                  <a:schemeClr val="accent4">
+                    <a:lumMod val="40000"/>
+                    <a:lumOff val="60000"/>
                   </a:schemeClr>
                 </a:solidFill>
                 <a:hlinkClick r:id="rId17"/>
@@ -6581,8 +6593,9 @@
             </a:r>
             <a:endParaRPr lang="es-ES" sz="1200" b="1" dirty="0" smtClean="0">
               <a:solidFill>
-                <a:schemeClr val="tx1">
-                  <a:tint val="75000"/>
+                <a:schemeClr val="accent4">
+                  <a:lumMod val="40000"/>
+                  <a:lumOff val="60000"/>
                 </a:schemeClr>
               </a:solidFill>
             </a:endParaRPr>
@@ -6596,8 +6609,9 @@
             <a:r>
               <a:rPr lang="es-ES" sz="1200" b="1" dirty="0">
                 <a:solidFill>
-                  <a:schemeClr val="tx1">
-                    <a:tint val="75000"/>
+                  <a:schemeClr val="accent4">
+                    <a:lumMod val="40000"/>
+                    <a:lumOff val="60000"/>
                   </a:schemeClr>
                 </a:solidFill>
                 <a:hlinkClick r:id="rId18"/>
@@ -6607,8 +6621,9 @@
             <a:r>
               <a:rPr lang="es-ES" sz="1200" b="1" dirty="0" smtClean="0">
                 <a:solidFill>
-                  <a:schemeClr val="tx1">
-                    <a:tint val="75000"/>
+                  <a:schemeClr val="accent4">
+                    <a:lumMod val="40000"/>
+                    <a:lumOff val="60000"/>
                   </a:schemeClr>
                 </a:solidFill>
                 <a:hlinkClick r:id="rId18"/>
@@ -6617,8 +6632,9 @@
             </a:r>
             <a:endParaRPr lang="es-ES" sz="1200" b="1" dirty="0" smtClean="0">
               <a:solidFill>
-                <a:schemeClr val="tx1">
-                  <a:tint val="75000"/>
+                <a:schemeClr val="accent4">
+                  <a:lumMod val="40000"/>
+                  <a:lumOff val="60000"/>
                 </a:schemeClr>
               </a:solidFill>
             </a:endParaRPr>
@@ -6632,8 +6648,9 @@
             <a:r>
               <a:rPr lang="es-ES" sz="1200" b="1" dirty="0">
                 <a:solidFill>
-                  <a:schemeClr val="tx1">
-                    <a:tint val="75000"/>
+                  <a:schemeClr val="accent4">
+                    <a:lumMod val="40000"/>
+                    <a:lumOff val="60000"/>
                   </a:schemeClr>
                 </a:solidFill>
                 <a:hlinkClick r:id="rId19"/>
@@ -6643,8 +6660,9 @@
             <a:r>
               <a:rPr lang="es-ES" sz="1200" b="1" dirty="0" smtClean="0">
                 <a:solidFill>
-                  <a:schemeClr val="tx1">
-                    <a:tint val="75000"/>
+                  <a:schemeClr val="accent4">
+                    <a:lumMod val="40000"/>
+                    <a:lumOff val="60000"/>
                   </a:schemeClr>
                 </a:solidFill>
                 <a:hlinkClick r:id="rId19"/>
@@ -6653,8 +6671,9 @@
             </a:r>
             <a:endParaRPr lang="es-ES" sz="1200" b="1" dirty="0" smtClean="0">
               <a:solidFill>
-                <a:schemeClr val="tx1">
-                  <a:tint val="75000"/>
+                <a:schemeClr val="accent4">
+                  <a:lumMod val="40000"/>
+                  <a:lumOff val="60000"/>
                 </a:schemeClr>
               </a:solidFill>
             </a:endParaRPr>
@@ -6668,8 +6687,9 @@
             <a:r>
               <a:rPr lang="es-ES" sz="1200" b="1" dirty="0">
                 <a:solidFill>
-                  <a:schemeClr val="tx1">
-                    <a:tint val="75000"/>
+                  <a:schemeClr val="accent4">
+                    <a:lumMod val="40000"/>
+                    <a:lumOff val="60000"/>
                   </a:schemeClr>
                 </a:solidFill>
                 <a:hlinkClick r:id="rId20"/>
@@ -6679,8 +6699,9 @@
             <a:r>
               <a:rPr lang="es-ES" sz="1200" b="1" dirty="0" smtClean="0">
                 <a:solidFill>
-                  <a:schemeClr val="tx1">
-                    <a:tint val="75000"/>
+                  <a:schemeClr val="accent4">
+                    <a:lumMod val="40000"/>
+                    <a:lumOff val="60000"/>
                   </a:schemeClr>
                 </a:solidFill>
                 <a:hlinkClick r:id="rId20"/>
@@ -6689,8 +6710,9 @@
             </a:r>
             <a:endParaRPr lang="es-ES" sz="1200" b="1" dirty="0" smtClean="0">
               <a:solidFill>
-                <a:schemeClr val="tx1">
-                  <a:tint val="75000"/>
+                <a:schemeClr val="accent4">
+                  <a:lumMod val="40000"/>
+                  <a:lumOff val="60000"/>
                 </a:schemeClr>
               </a:solidFill>
             </a:endParaRPr>
@@ -6730,7 +6752,7 @@
         </p:nvSpPr>
         <p:spPr>
           <a:xfrm>
-            <a:off x="683568" y="2996952"/>
+            <a:off x="755576" y="3068960"/>
             <a:ext cx="7772400" cy="434479"/>
           </a:xfrm>
           <a:prstGeom prst="rect">
@@ -6860,24 +6882,19 @@
           <a:p>
             <a:r>
               <a:rPr lang="es-ES" dirty="0" smtClean="0"/>
-              <a:t>Surge por la necesidad de simplificación de interfaces en dispositivos </a:t>
-            </a:r>
-            <a:r>
-              <a:rPr lang="es-ES" dirty="0" err="1" smtClean="0"/>
-              <a:t>android</a:t>
-            </a:r>
+              <a:t>Surge por la necesidad de simplificación de interfaces en dispositivos android</a:t>
+            </a:r>
+          </a:p>
+          <a:p>
             <a:endParaRPr lang="es-ES" dirty="0" smtClean="0"/>
           </a:p>
           <a:p>
-            <a:endParaRPr lang="es-ES" dirty="0" smtClean="0"/>
-          </a:p>
-          <a:p>
             <a:r>
               <a:rPr lang="es-ES" dirty="0" smtClean="0"/>
               <a:t>A partir de la SDK 1.6 (API 4) se incluye la librería </a:t>
             </a:r>
             <a:r>
-              <a:rPr lang="es-ES" dirty="0" err="1" smtClean="0"/>
+              <a:rPr lang="es-ES" dirty="0" smtClean="0"/>
               <a:t>Gesture</a:t>
             </a:r>
             <a:r>
@@ -6885,7 +6902,7 @@
               <a:t>. (</a:t>
             </a:r>
             <a:r>
-              <a:rPr lang="es-ES" dirty="0" err="1" smtClean="0"/>
+              <a:rPr lang="es-ES" dirty="0" smtClean="0"/>
               <a:t>android.gesture</a:t>
             </a:r>
             <a:r>
@@ -7001,7 +7018,7 @@
           <a:lstStyle/>
           <a:p>
             <a:r>
-              <a:rPr lang="es-ES" dirty="0" err="1" smtClean="0"/>
+              <a:rPr lang="es-ES" dirty="0" smtClean="0"/>
               <a:t>Gesture</a:t>
             </a:r>
             <a:r>
@@ -7009,7 +7026,7 @@
               <a:t> </a:t>
             </a:r>
             <a:r>
-              <a:rPr lang="es-ES" dirty="0" err="1" smtClean="0"/>
+              <a:rPr lang="es-ES" dirty="0" smtClean="0"/>
               <a:t>builder</a:t>
             </a:r>
             <a:r>
@@ -7017,7 +7034,7 @@
               <a:t> / </a:t>
             </a:r>
             <a:r>
-              <a:rPr lang="es-ES" dirty="0" err="1" smtClean="0"/>
+              <a:rPr lang="es-ES" dirty="0" smtClean="0"/>
               <a:t>tool</a:t>
             </a:r>
             <a:endParaRPr lang="es-ES" dirty="0"/>
@@ -7046,39 +7063,39 @@
               <a:t>El SDK de </a:t>
             </a:r>
             <a:r>
-              <a:rPr lang="es-ES" dirty="0" err="1" smtClean="0"/>
-              <a:t>Andoid</a:t>
-            </a:r>
-            <a:r>
-              <a:rPr lang="es-ES" dirty="0" smtClean="0"/>
-              <a:t> suministra una aplicación llamada </a:t>
-            </a:r>
-            <a:r>
-              <a:rPr lang="es-ES" dirty="0" err="1" smtClean="0"/>
+              <a:rPr lang="es-ES" dirty="0" smtClean="0"/>
+              <a:t>Android </a:t>
+            </a:r>
+            <a:r>
+              <a:rPr lang="es-ES" dirty="0" smtClean="0"/>
+              <a:t>suministra una aplicación llamada </a:t>
+            </a:r>
+            <a:r>
+              <a:rPr lang="es-ES" i="1" dirty="0" smtClean="0"/>
               <a:t>Gesture</a:t>
             </a:r>
             <a:r>
-              <a:rPr lang="es-ES" dirty="0" smtClean="0"/>
+              <a:rPr lang="es-ES" i="1" dirty="0" smtClean="0"/>
               <a:t> </a:t>
             </a:r>
             <a:r>
-              <a:rPr lang="es-ES" dirty="0" err="1" smtClean="0"/>
+              <a:rPr lang="es-ES" i="1" dirty="0" smtClean="0"/>
               <a:t>Builder</a:t>
             </a:r>
             <a:r>
-              <a:rPr lang="es-ES" dirty="0" smtClean="0"/>
+              <a:rPr lang="es-ES" i="1" dirty="0" smtClean="0"/>
               <a:t> / </a:t>
             </a:r>
             <a:r>
-              <a:rPr lang="es-ES" dirty="0" err="1" smtClean="0"/>
+              <a:rPr lang="es-ES" i="1" dirty="0" smtClean="0"/>
               <a:t>Gesture</a:t>
             </a:r>
             <a:r>
-              <a:rPr lang="es-ES" dirty="0" smtClean="0"/>
+              <a:rPr lang="es-ES" i="1" dirty="0" smtClean="0"/>
               <a:t> </a:t>
             </a:r>
             <a:r>
-              <a:rPr lang="es-ES" dirty="0" err="1" smtClean="0"/>
+              <a:rPr lang="es-ES" i="1" dirty="0" smtClean="0"/>
               <a:t>Tool</a:t>
             </a:r>
             <a:r>
@@ -7111,7 +7128,7 @@
               <a:t>Este archivo se incluirá dentro de nuestro nuevo proyecto haciendo una instancia a la librería </a:t>
             </a:r>
             <a:r>
-              <a:rPr lang="es-ES" dirty="0" err="1" smtClean="0"/>
+              <a:rPr lang="es-ES" i="1" dirty="0" smtClean="0"/>
               <a:t>GestureLibrary</a:t>
             </a:r>
             <a:r>
@@ -7182,7 +7199,7 @@
               <a:t>Creación de </a:t>
             </a:r>
             <a:r>
-              <a:rPr lang="es-ES" dirty="0" err="1" smtClean="0"/>
+              <a:rPr lang="es-ES" dirty="0" smtClean="0"/>
               <a:t>apk</a:t>
             </a:r>
             <a:r>
@@ -7213,70 +7230,54 @@
               <a:t>Primer paso: Crear un aplicación </a:t>
             </a:r>
             <a:r>
-              <a:rPr lang="es-ES" dirty="0" err="1" smtClean="0"/>
-              <a:t>vacia</a:t>
-            </a:r>
-            <a:r>
-              <a:rPr lang="es-ES" dirty="0" smtClean="0"/>
-              <a:t> con eclipse. </a:t>
-            </a:r>
-            <a:r>
-              <a:rPr lang="es-ES" sz="2000" dirty="0" err="1" smtClean="0"/>
+              <a:rPr lang="es-ES" dirty="0" smtClean="0"/>
+              <a:t>vacía con </a:t>
+            </a:r>
+            <a:r>
+              <a:rPr lang="es-ES" dirty="0" smtClean="0"/>
+              <a:t>eclipse. </a:t>
+            </a:r>
+            <a:r>
+              <a:rPr lang="es-ES" sz="2000" i="1" dirty="0" smtClean="0"/>
               <a:t>File</a:t>
             </a:r>
             <a:r>
-              <a:rPr lang="es-ES" sz="2000" dirty="0" smtClean="0"/>
-              <a:t>-&gt;New-&gt;Project-&gt;</a:t>
-            </a:r>
-            <a:r>
-              <a:rPr lang="es-ES" sz="2000" dirty="0" err="1" smtClean="0"/>
-              <a:t>Android</a:t>
-            </a:r>
-            <a:r>
-              <a:rPr lang="es-ES" sz="2000" dirty="0" smtClean="0"/>
+              <a:rPr lang="es-ES" sz="2000" i="1" dirty="0" smtClean="0"/>
+              <a:t>-&gt;New-&gt;Project-&gt;Android </a:t>
+            </a:r>
+            <a:r>
+              <a:rPr lang="es-ES" sz="2000" i="1" dirty="0" smtClean="0"/>
+              <a:t>Application</a:t>
+            </a:r>
+            <a:r>
+              <a:rPr lang="es-ES" sz="2000" i="1" dirty="0" smtClean="0"/>
+              <a:t> Project.</a:t>
+            </a:r>
+            <a:br>
+              <a:rPr lang="es-ES" sz="2000" i="1" dirty="0" smtClean="0"/>
+            </a:br>
+            <a:endParaRPr lang="es-ES" i="1" dirty="0" smtClean="0"/>
+          </a:p>
+          <a:p>
+            <a:pPr lvl="1"/>
+            <a:r>
+              <a:rPr lang="es-ES" dirty="0" smtClean="0"/>
+              <a:t>Minimun</a:t>
+            </a:r>
+            <a:r>
+              <a:rPr lang="es-ES" dirty="0" smtClean="0"/>
               <a:t> </a:t>
             </a:r>
             <a:r>
-              <a:rPr lang="es-ES" sz="2000" dirty="0" err="1" smtClean="0"/>
-              <a:t>Application</a:t>
-            </a:r>
-            <a:r>
-              <a:rPr lang="es-ES" sz="2000" dirty="0" smtClean="0"/>
-              <a:t> Project.</a:t>
-            </a:r>
-            <a:br>
-              <a:rPr lang="es-ES" sz="2000" dirty="0" smtClean="0"/>
-            </a:br>
-            <a:endParaRPr lang="es-ES" dirty="0" smtClean="0"/>
-          </a:p>
-          <a:p>
-            <a:pPr lvl="1"/>
-            <a:r>
-              <a:rPr lang="es-ES" dirty="0" err="1" smtClean="0"/>
-              <a:t>Minimun</a:t>
-            </a:r>
-            <a:r>
-              <a:rPr lang="es-ES" dirty="0" smtClean="0"/>
-              <a:t> </a:t>
-            </a:r>
-            <a:r>
-              <a:rPr lang="es-ES" dirty="0" err="1" smtClean="0"/>
+              <a:rPr lang="es-ES" dirty="0" smtClean="0"/>
               <a:t>Requiered</a:t>
             </a:r>
             <a:r>
               <a:rPr lang="es-ES" dirty="0" smtClean="0"/>
-              <a:t> SDK: API 7: </a:t>
-            </a:r>
-            <a:r>
-              <a:rPr lang="es-ES" dirty="0" err="1" smtClean="0"/>
-              <a:t>Android</a:t>
-            </a:r>
-            <a:r>
-              <a:rPr lang="es-ES" dirty="0" smtClean="0"/>
-              <a:t> 2.1 (</a:t>
-            </a:r>
-            <a:r>
-              <a:rPr lang="es-ES" dirty="0" err="1" smtClean="0"/>
+              <a:t> SDK: API 7: Android 2.1 (</a:t>
+            </a:r>
+            <a:r>
+              <a:rPr lang="es-ES" dirty="0" smtClean="0"/>
               <a:t>Eclair</a:t>
             </a:r>
             <a:r>
@@ -7307,19 +7308,19 @@
               <a:t>Descargar </a:t>
             </a:r>
             <a:r>
-              <a:rPr lang="es-ES" dirty="0" err="1" smtClean="0"/>
+              <a:rPr lang="es-ES" i="1" dirty="0" smtClean="0"/>
               <a:t>Gesture</a:t>
             </a:r>
             <a:r>
-              <a:rPr lang="es-ES" dirty="0" smtClean="0"/>
+              <a:rPr lang="es-ES" i="1" dirty="0" smtClean="0"/>
               <a:t> </a:t>
             </a:r>
             <a:r>
-              <a:rPr lang="es-ES" dirty="0" err="1" smtClean="0"/>
+              <a:rPr lang="es-ES" i="1" dirty="0" smtClean="0"/>
               <a:t>Tool</a:t>
             </a:r>
             <a:r>
-              <a:rPr lang="es-ES" dirty="0" smtClean="0"/>
+              <a:rPr lang="es-ES" i="1" dirty="0" smtClean="0"/>
               <a:t> </a:t>
             </a:r>
             <a:r>
@@ -7410,7 +7411,7 @@
               <a:t>Creación de </a:t>
             </a:r>
             <a:r>
-              <a:rPr lang="es-ES" dirty="0" err="1" smtClean="0"/>
+              <a:rPr lang="es-ES" dirty="0" smtClean="0"/>
               <a:t>apk</a:t>
             </a:r>
             <a:r>
@@ -7447,20 +7448,24 @@
               <a:t>Abrir y pulsar </a:t>
             </a:r>
             <a:r>
-              <a:rPr lang="es-ES" dirty="0" err="1" smtClean="0"/>
+              <a:rPr lang="es-ES" i="1" dirty="0" smtClean="0"/>
               <a:t>add</a:t>
             </a:r>
             <a:r>
-              <a:rPr lang="es-ES" dirty="0" smtClean="0"/>
+              <a:rPr lang="es-ES" i="1" dirty="0" smtClean="0"/>
               <a:t> </a:t>
             </a:r>
             <a:r>
-              <a:rPr lang="es-ES" dirty="0" err="1" smtClean="0"/>
+              <a:rPr lang="es-ES" i="1" dirty="0" smtClean="0"/>
               <a:t>gesture</a:t>
             </a:r>
             <a:r>
-              <a:rPr lang="es-ES" dirty="0" smtClean="0"/>
-              <a:t> para añadir</a:t>
+              <a:rPr lang="es-ES" i="1" dirty="0" smtClean="0"/>
+              <a:t> </a:t>
+            </a:r>
+            <a:r>
+              <a:rPr lang="es-ES" dirty="0" smtClean="0"/>
+              <a:t>para añadir</a:t>
             </a:r>
             <a:br>
               <a:rPr lang="es-ES" dirty="0" smtClean="0"/>
@@ -7482,7 +7487,15 @@
             <a:pPr lvl="1"/>
             <a:r>
               <a:rPr lang="es-ES" dirty="0" smtClean="0"/>
-              <a:t>Nombrar forma y pulsar done. </a:t>
+              <a:t>Nombrar forma y pulsar </a:t>
+            </a:r>
+            <a:r>
+              <a:rPr lang="es-ES" i="1" dirty="0" smtClean="0"/>
+              <a:t>done</a:t>
+            </a:r>
+            <a:r>
+              <a:rPr lang="es-ES" dirty="0" smtClean="0"/>
+              <a:t>. </a:t>
             </a:r>
           </a:p>
           <a:p>
@@ -7602,7 +7615,7 @@
               <a:t>Creación de </a:t>
             </a:r>
             <a:r>
-              <a:rPr lang="es-ES" dirty="0" err="1" smtClean="0"/>
+              <a:rPr lang="es-ES" dirty="0" smtClean="0"/>
               <a:t>apk</a:t>
             </a:r>
             <a:r>
@@ -7661,7 +7674,15 @@
             <a:pPr lvl="1"/>
             <a:r>
               <a:rPr lang="es-ES" dirty="0" smtClean="0"/>
-              <a:t>Con el botón test puedes probar los gestos creados</a:t>
+              <a:t>Con el botón </a:t>
+            </a:r>
+            <a:r>
+              <a:rPr lang="es-ES" i="1" dirty="0" smtClean="0"/>
+              <a:t>test</a:t>
+            </a:r>
+            <a:r>
+              <a:rPr lang="es-ES" dirty="0" smtClean="0"/>
+              <a:t> puedes probar los gestos creados</a:t>
             </a:r>
           </a:p>
           <a:p>
@@ -7674,20 +7695,28 @@
               <a:t>En </a:t>
             </a:r>
             <a:r>
-              <a:rPr lang="es-ES" dirty="0" err="1" smtClean="0"/>
+              <a:rPr lang="es-ES" i="1" dirty="0" smtClean="0"/>
               <a:t>sdcard</a:t>
             </a:r>
             <a:r>
-              <a:rPr lang="es-ES" dirty="0" smtClean="0"/>
+              <a:rPr lang="es-ES" i="1" dirty="0" smtClean="0"/>
               <a:t>/</a:t>
             </a:r>
             <a:r>
-              <a:rPr lang="es-ES" dirty="0" err="1" smtClean="0"/>
+              <a:rPr lang="es-ES" i="1" dirty="0" smtClean="0"/>
               <a:t>gestures</a:t>
             </a:r>
             <a:r>
-              <a:rPr lang="es-ES" dirty="0" smtClean="0"/>
-              <a:t> se creara un fichero con nuestros gestos personalizados. “gesture.txt”</a:t>
+              <a:rPr lang="es-ES" i="1" dirty="0" smtClean="0"/>
+              <a:t> </a:t>
+            </a:r>
+            <a:r>
+              <a:rPr lang="es-ES" dirty="0" smtClean="0"/>
+              <a:t>se </a:t>
+            </a:r>
+            <a:r>
+              <a:rPr lang="es-ES" dirty="0" smtClean="0"/>
+              <a:t>creara un fichero con nuestros gestos personalizados. “gesture.txt”</a:t>
             </a:r>
           </a:p>
           <a:p>
@@ -7700,25 +7729,25 @@
               <a:t>Este fichero lo pasamos al proyecto </a:t>
             </a:r>
             <a:r>
-              <a:rPr lang="es-ES" dirty="0" err="1" smtClean="0"/>
-              <a:t>guardandolo</a:t>
-            </a:r>
-            <a:r>
-              <a:rPr lang="es-ES" dirty="0" smtClean="0"/>
-              <a:t> en la ruta:</a:t>
+              <a:rPr lang="es-ES" dirty="0" smtClean="0"/>
+              <a:t>guardándolo </a:t>
+            </a:r>
+            <a:r>
+              <a:rPr lang="es-ES" dirty="0" smtClean="0"/>
+              <a:t>en la ruta:</a:t>
             </a:r>
           </a:p>
           <a:p>
             <a:pPr lvl="2"/>
             <a:r>
-              <a:rPr lang="es-ES" dirty="0" smtClean="0"/>
+              <a:rPr lang="es-ES" i="1" dirty="0" smtClean="0"/>
               <a:t>/res/</a:t>
             </a:r>
             <a:r>
-              <a:rPr lang="es-ES" dirty="0" err="1" smtClean="0"/>
+              <a:rPr lang="es-ES" i="1" dirty="0" smtClean="0"/>
               <a:t>raw</a:t>
             </a:r>
-            <a:endParaRPr lang="es-ES" dirty="0" smtClean="0"/>
+            <a:endParaRPr lang="es-ES" i="1" dirty="0" smtClean="0"/>
           </a:p>
           <a:p>
             <a:pPr lvl="1"/>
@@ -7819,7 +7848,7 @@
               <a:t>Creación de </a:t>
             </a:r>
             <a:r>
-              <a:rPr lang="es-ES" dirty="0" err="1" smtClean="0"/>
+              <a:rPr lang="es-ES" dirty="0" smtClean="0"/>
               <a:t>apk</a:t>
             </a:r>
             <a:r>
@@ -7859,7 +7888,7 @@
               <a:t>(</a:t>
             </a:r>
             <a:r>
-              <a:rPr lang="es-ES" dirty="0" err="1" smtClean="0"/>
+              <a:rPr lang="es-ES" i="1" dirty="0" smtClean="0"/>
               <a:t>Main.Activity.java</a:t>
             </a:r>
             <a:r>
@@ -7882,56 +7911,72 @@
           <a:p>
             <a:pPr lvl="1"/>
             <a:r>
-              <a:rPr lang="es-ES" dirty="0" err="1" smtClean="0"/>
+              <a:rPr lang="es-ES" i="1" dirty="0" smtClean="0"/>
               <a:t>Gesuture</a:t>
             </a:r>
             <a:r>
-              <a:rPr lang="es-ES" dirty="0" smtClean="0"/>
-              <a:t>: todas las </a:t>
-            </a:r>
-            <a:r>
-              <a:rPr lang="es-ES" dirty="0" err="1" smtClean="0"/>
-              <a:t>librerias</a:t>
-            </a:r>
-            <a:r>
-              <a:rPr lang="es-ES" dirty="0" smtClean="0"/>
-              <a:t> asociadas con gestos</a:t>
+              <a:rPr lang="es-ES" i="1" dirty="0" smtClean="0"/>
+              <a:t>:</a:t>
+            </a:r>
+            <a:r>
+              <a:rPr lang="es-ES" dirty="0" smtClean="0"/>
+              <a:t> todas las </a:t>
+            </a:r>
+            <a:r>
+              <a:rPr lang="es-ES" dirty="0" smtClean="0"/>
+              <a:t>librerías </a:t>
+            </a:r>
+            <a:r>
+              <a:rPr lang="es-ES" dirty="0" smtClean="0"/>
+              <a:t>asociadas con gestos</a:t>
             </a:r>
           </a:p>
           <a:p>
             <a:pPr lvl="1"/>
             <a:r>
-              <a:rPr lang="es-ES" dirty="0" err="1" smtClean="0"/>
+              <a:rPr lang="es-ES" i="1" dirty="0" smtClean="0"/>
               <a:t>GestureLibraries</a:t>
             </a:r>
             <a:r>
-              <a:rPr lang="es-ES" dirty="0" smtClean="0"/>
-              <a:t>: Lectura y escritura de gestos y su manejo</a:t>
+              <a:rPr lang="es-ES" i="1" dirty="0" smtClean="0"/>
+              <a:t>:</a:t>
+            </a:r>
+            <a:r>
+              <a:rPr lang="es-ES" dirty="0" smtClean="0"/>
+              <a:t> Lectura y escritura de gestos y su manejo</a:t>
             </a:r>
           </a:p>
           <a:p>
             <a:pPr lvl="1"/>
             <a:r>
-              <a:rPr lang="es-ES" dirty="0" err="1" smtClean="0"/>
+              <a:rPr lang="es-ES" i="1" dirty="0" smtClean="0"/>
               <a:t>GestureLibrary</a:t>
             </a:r>
             <a:r>
-              <a:rPr lang="es-ES" dirty="0" smtClean="0"/>
-              <a:t>: Cargar, crear gestos, determinar gesto introducido, secuencia de un gesto, etc.</a:t>
+              <a:rPr lang="es-ES" i="1" dirty="0" smtClean="0"/>
+              <a:t>:</a:t>
+            </a:r>
+            <a:r>
+              <a:rPr lang="es-ES" dirty="0" smtClean="0"/>
+              <a:t> Cargar, crear gestos, determinar gesto introducido, secuencia de un gesto, etc.</a:t>
             </a:r>
           </a:p>
           <a:p>
             <a:pPr lvl="1"/>
             <a:r>
-              <a:rPr lang="es-ES" dirty="0" err="1" smtClean="0"/>
-              <a:t>GestureOverlayViem</a:t>
-            </a:r>
-            <a:r>
-              <a:rPr lang="es-ES" dirty="0" smtClean="0"/>
-              <a:t>: método </a:t>
-            </a:r>
-            <a:r>
-              <a:rPr lang="es-ES" dirty="0" err="1" smtClean="0"/>
+              <a:rPr lang="es-ES" i="1" dirty="0" smtClean="0"/>
+              <a:t>GestureOverlayView</a:t>
+            </a:r>
+            <a:r>
+              <a:rPr lang="es-ES" i="1" dirty="0" smtClean="0"/>
+              <a:t>: </a:t>
+            </a:r>
+            <a:r>
+              <a:rPr lang="es-ES" dirty="0" smtClean="0"/>
+              <a:t>método </a:t>
+            </a:r>
+            <a:r>
+              <a:rPr lang="es-ES" dirty="0" smtClean="0"/>
               <a:t>OnGesturePermormedListener</a:t>
             </a:r>
             <a:endParaRPr lang="es-ES" dirty="0" smtClean="0"/>
@@ -7943,15 +7988,19 @@
               <a:t> </a:t>
             </a:r>
             <a:r>
-              <a:rPr lang="es-ES" dirty="0" err="1" smtClean="0"/>
+              <a:rPr lang="es-ES" i="1" dirty="0" smtClean="0"/>
               <a:t>Prediction</a:t>
             </a:r>
             <a:r>
-              <a:rPr lang="es-ES" dirty="0" smtClean="0"/>
-              <a:t>: métodos </a:t>
-            </a:r>
-            <a:r>
-              <a:rPr lang="es-ES" dirty="0" err="1" smtClean="0"/>
+              <a:rPr lang="es-ES" i="1" dirty="0" smtClean="0"/>
+              <a:t>:</a:t>
+            </a:r>
+            <a:r>
+              <a:rPr lang="es-ES" dirty="0" smtClean="0"/>
+              <a:t> métodos </a:t>
+            </a:r>
+            <a:r>
+              <a:rPr lang="es-ES" dirty="0" smtClean="0"/>
               <a:t>probalisticos</a:t>
             </a:r>
             <a:r>
@@ -7962,24 +8011,20 @@
           <a:p>
             <a:pPr lvl="1"/>
             <a:r>
-              <a:rPr lang="es-ES" dirty="0" smtClean="0"/>
-              <a:t>Mas </a:t>
-            </a:r>
-            <a:r>
-              <a:rPr lang="es-ES" dirty="0" err="1" smtClean="0"/>
-              <a:t>info</a:t>
-            </a:r>
-            <a:r>
-              <a:rPr lang="es-ES" dirty="0" smtClean="0"/>
-              <a:t> sobre las </a:t>
-            </a:r>
-            <a:r>
-              <a:rPr lang="es-ES" dirty="0" err="1" smtClean="0"/>
-              <a:t>librerias</a:t>
-            </a:r>
-            <a:r>
-              <a:rPr lang="es-ES" dirty="0" smtClean="0"/>
-              <a:t>: </a:t>
+              <a:rPr lang="es-ES" u="sng" dirty="0" smtClean="0"/>
+              <a:t>Más</a:t>
+            </a:r>
+            <a:r>
+              <a:rPr lang="es-ES" dirty="0" smtClean="0"/>
+              <a:t> información </a:t>
+            </a:r>
+            <a:r>
+              <a:rPr lang="es-ES" dirty="0" smtClean="0"/>
+              <a:t>sobre las </a:t>
+            </a:r>
+            <a:r>
+              <a:rPr lang="es-ES" dirty="0" smtClean="0"/>
+              <a:t>librerías: </a:t>
             </a:r>
             <a:r>
               <a:rPr lang="es-ES" dirty="0" smtClean="0">
@@ -7989,7 +8034,7 @@
             </a:r>
             <a:r>
               <a:rPr lang="es-ES" dirty="0" smtClean="0"/>
-              <a:t> ??</a:t>
+              <a:t> </a:t>
             </a:r>
           </a:p>
           <a:p>
@@ -8120,7 +8165,7 @@
               <a:t>Creación de </a:t>
             </a:r>
             <a:r>
-              <a:rPr lang="es-ES" dirty="0" err="1" smtClean="0"/>
+              <a:rPr lang="es-ES" dirty="0" smtClean="0"/>
               <a:t>apk</a:t>
             </a:r>
             <a:r>
@@ -8155,11 +8200,7 @@
           <a:p>
             <a:r>
               <a:rPr lang="es-ES" dirty="0" smtClean="0"/>
-              <a:t>Cuarto paso: Definición de constructores y métodos en la aplicación</a:t>
-            </a:r>
-            <a:r>
-              <a:rPr lang="es-ES" dirty="0" smtClean="0"/>
-              <a:t>.</a:t>
+              <a:t>Cuarto paso: Definición de constructores y métodos en la aplicación.</a:t>
             </a:r>
           </a:p>
           <a:p>
@@ -8169,16 +8210,12 @@
               <a:t>Res/</a:t>
             </a:r>
             <a:r>
-              <a:rPr lang="es-ES" dirty="0" err="1" smtClean="0"/>
+              <a:rPr lang="es-ES" dirty="0" smtClean="0"/>
               <a:t>layout</a:t>
             </a:r>
             <a:r>
               <a:rPr lang="es-ES" dirty="0" smtClean="0"/>
               <a:t>/activity_main_activity2.xml</a:t>
-            </a:r>
-            <a:r>
-              <a:rPr lang="es-ES" dirty="0" smtClean="0"/>
-              <a:t/>
             </a:r>
             <a:br>
               <a:rPr lang="es-ES" dirty="0" smtClean="0"/>
@@ -8221,7 +8258,6 @@
               <a:rPr lang="es-ES" b="1" dirty="0" smtClean="0"/>
               <a:t> </a:t>
             </a:r>
-            <a:endParaRPr lang="es-ES" b="1" dirty="0" smtClean="0"/>
           </a:p>
           <a:p>
             <a:pPr lvl="1"/>
@@ -8242,75 +8278,51 @@
               <a:t>Tenemos </a:t>
             </a:r>
             <a:r>
-              <a:rPr lang="es-ES" dirty="0" err="1" smtClean="0"/>
-              <a:t>un</a:t>
-            </a:r>
-            <a:r>
-              <a:rPr lang="es-ES" i="1" dirty="0" err="1" smtClean="0"/>
+              <a:rPr lang="es-ES" dirty="0" smtClean="0"/>
+              <a:t>un </a:t>
+            </a:r>
+            <a:r>
+              <a:rPr lang="es-ES" i="1" dirty="0" smtClean="0"/>
               <a:t>layout</a:t>
             </a:r>
             <a:r>
               <a:rPr lang="es-ES" dirty="0" smtClean="0"/>
+              <a:t>  formado por un </a:t>
+            </a:r>
+            <a:r>
+              <a:rPr lang="es-ES" i="1" dirty="0" smtClean="0"/>
+              <a:t>LinearLayout</a:t>
+            </a:r>
+            <a:r>
+              <a:rPr lang="es-ES" dirty="0" smtClean="0"/>
+              <a:t> que contiene: un </a:t>
+            </a:r>
+            <a:r>
+              <a:rPr lang="es-ES" i="1" dirty="0" smtClean="0"/>
+              <a:t>TextView</a:t>
+            </a:r>
+            <a:r>
+              <a:rPr lang="es-ES" i="1" dirty="0" smtClean="0"/>
               <a:t> </a:t>
             </a:r>
             <a:r>
               <a:rPr lang="es-ES" dirty="0" smtClean="0"/>
+              <a:t>con un título y un </a:t>
+            </a:r>
+            <a:r>
+              <a:rPr lang="es-ES" i="1" dirty="0" smtClean="0"/>
+              <a:t>GestureOverlayView</a:t>
+            </a:r>
+            <a:r>
+              <a:rPr lang="es-ES" i="1" dirty="0" smtClean="0"/>
               <a:t> </a:t>
             </a:r>
             <a:r>
               <a:rPr lang="es-ES" dirty="0" smtClean="0"/>
-              <a:t>formado por un </a:t>
-            </a:r>
-            <a:r>
-              <a:rPr lang="es-ES" dirty="0" err="1" smtClean="0"/>
-              <a:t>LinearLayout</a:t>
-            </a:r>
-            <a:r>
-              <a:rPr lang="es-ES" dirty="0" smtClean="0"/>
-              <a:t> que contiene: un </a:t>
-            </a:r>
-            <a:r>
-              <a:rPr lang="es-ES" dirty="0" err="1" smtClean="0"/>
-              <a:t>TextView</a:t>
-            </a:r>
-            <a:r>
-              <a:rPr lang="es-ES" dirty="0" smtClean="0"/>
-              <a:t> con un </a:t>
-            </a:r>
-            <a:r>
-              <a:rPr lang="es-ES" dirty="0" smtClean="0"/>
-              <a:t>título</a:t>
-            </a:r>
-            <a:r>
-              <a:rPr lang="es-ES" dirty="0" smtClean="0"/>
-              <a:t> </a:t>
-            </a:r>
-            <a:r>
-              <a:rPr lang="es-ES" dirty="0" smtClean="0"/>
-              <a:t>y</a:t>
-            </a:r>
-            <a:r>
-              <a:rPr lang="es-ES" dirty="0" smtClean="0"/>
-              <a:t> un </a:t>
-            </a:r>
-            <a:r>
-              <a:rPr lang="es-ES" dirty="0" err="1" smtClean="0"/>
-              <a:t>GestureOverlayView</a:t>
-            </a:r>
-            <a:r>
-              <a:rPr lang="es-ES" dirty="0" smtClean="0"/>
-              <a:t> para la </a:t>
-            </a:r>
-            <a:r>
-              <a:rPr lang="es-ES" dirty="0" smtClean="0"/>
-              <a:t>salida </a:t>
-            </a:r>
-            <a:r>
-              <a:rPr lang="es-ES" dirty="0" smtClean="0"/>
-              <a:t>del programa. </a:t>
-            </a:r>
-            <a:r>
-              <a:rPr lang="es-ES" dirty="0" err="1" smtClean="0"/>
+              <a:t>para la salida del programa. </a:t>
+            </a:r>
+            <a:r>
+              <a:rPr lang="es-ES" i="1" dirty="0" smtClean="0"/>
               <a:t>GestureStrokeType</a:t>
             </a:r>
             <a:r>
@@ -8318,7 +8330,7 @@
               <a:t> permite varios trazos y </a:t>
             </a:r>
             <a:r>
-              <a:rPr lang="es-ES" dirty="0" err="1" smtClean="0"/>
+              <a:rPr lang="es-ES" i="1" dirty="0" smtClean="0"/>
               <a:t>fadeoffset</a:t>
             </a:r>
             <a:r>
@@ -8326,12 +8338,8 @@
               <a:t> es el tiempo entre gestos </a:t>
             </a:r>
             <a:r>
-              <a:rPr lang="es-ES" dirty="0" err="1" smtClean="0"/>
-              <a:t>multiples</a:t>
-            </a:r>
-            <a:r>
-              <a:rPr lang="es-ES" dirty="0" smtClean="0"/>
-              <a:t>.</a:t>
+              <a:rPr lang="es-ES" dirty="0" smtClean="0"/>
+              <a:t>múltiples.</a:t>
             </a:r>
             <a:endParaRPr lang="es-ES" dirty="0"/>
           </a:p>
@@ -8389,7 +8397,7 @@
               <a:t>Creación de </a:t>
             </a:r>
             <a:r>
-              <a:rPr lang="es-ES" dirty="0" err="1" smtClean="0"/>
+              <a:rPr lang="es-ES" dirty="0" smtClean="0"/>
               <a:t>apk</a:t>
             </a:r>
             <a:r>
@@ -8426,7 +8434,7 @@
               <a:t>Modificaciones en </a:t>
             </a:r>
             <a:r>
-              <a:rPr lang="es-ES" dirty="0" err="1" smtClean="0"/>
+              <a:rPr lang="es-ES" dirty="0" smtClean="0"/>
               <a:t>main</a:t>
             </a:r>
             <a:r>
@@ -8434,7 +8442,7 @@
               <a:t> </a:t>
             </a:r>
             <a:r>
-              <a:rPr lang="es-ES" dirty="0" err="1" smtClean="0"/>
+              <a:rPr lang="es-ES" dirty="0" smtClean="0"/>
               <a:t>src</a:t>
             </a:r>
             <a:r>
@@ -8637,7 +8645,7 @@
 <file path=ppt/theme/theme1.xml><?xml version="1.0" encoding="utf-8"?>
 <a:theme xmlns:a="http://schemas.openxmlformats.org/drawingml/2006/main" name="Mirador">
   <a:themeElements>
-    <a:clrScheme name="Urbano">
+    <a:clrScheme name="Personalizado 4">
       <a:dk1>
         <a:sysClr val="windowText" lastClr="000000"/>
       </a:dk1>
@@ -8669,10 +8677,10 @@
         <a:srgbClr val="5C92B5"/>
       </a:accent6>
       <a:hlink>
-        <a:srgbClr val="67AFBD"/>
+        <a:srgbClr val="BFBF00"/>
       </a:hlink>
       <a:folHlink>
-        <a:srgbClr val="C2A874"/>
+        <a:srgbClr val="FFC000"/>
       </a:folHlink>
     </a:clrScheme>
     <a:fontScheme name="Mirador">
